--- a/move_helpr/Project Presentation.pptx
+++ b/move_helpr/Project Presentation.pptx
@@ -153,7 +153,7 @@
   <pc:docChgLst>
     <pc:chgData name="Jameson Albers" userId="25f9f7969f5465e8" providerId="LiveId" clId="{ACBC3FD8-3913-4A92-8E36-F7F6F1625238}"/>
     <pc:docChg chg="custSel addSld modSld">
-      <pc:chgData name="Jameson Albers" userId="25f9f7969f5465e8" providerId="LiveId" clId="{ACBC3FD8-3913-4A92-8E36-F7F6F1625238}" dt="2021-04-28T16:58:56.610" v="219" actId="20577"/>
+      <pc:chgData name="Jameson Albers" userId="25f9f7969f5465e8" providerId="LiveId" clId="{ACBC3FD8-3913-4A92-8E36-F7F6F1625238}" dt="2021-04-28T18:34:02.550" v="232" actId="20577"/>
       <pc:docMkLst>
         <pc:docMk/>
       </pc:docMkLst>
@@ -173,13 +173,13 @@
         </pc:spChg>
       </pc:sldChg>
       <pc:sldChg chg="modSp mod">
-        <pc:chgData name="Jameson Albers" userId="25f9f7969f5465e8" providerId="LiveId" clId="{ACBC3FD8-3913-4A92-8E36-F7F6F1625238}" dt="2021-04-28T05:40:52.476" v="36" actId="20577"/>
+        <pc:chgData name="Jameson Albers" userId="25f9f7969f5465e8" providerId="LiveId" clId="{ACBC3FD8-3913-4A92-8E36-F7F6F1625238}" dt="2021-04-28T18:34:02.550" v="232" actId="20577"/>
         <pc:sldMkLst>
           <pc:docMk/>
           <pc:sldMk cId="483250596" sldId="300"/>
         </pc:sldMkLst>
         <pc:spChg chg="mod">
-          <ac:chgData name="Jameson Albers" userId="25f9f7969f5465e8" providerId="LiveId" clId="{ACBC3FD8-3913-4A92-8E36-F7F6F1625238}" dt="2021-04-28T05:40:52.476" v="36" actId="20577"/>
+          <ac:chgData name="Jameson Albers" userId="25f9f7969f5465e8" providerId="LiveId" clId="{ACBC3FD8-3913-4A92-8E36-F7F6F1625238}" dt="2021-04-28T18:34:02.550" v="232" actId="20577"/>
           <ac:spMkLst>
             <pc:docMk/>
             <pc:sldMk cId="483250596" sldId="300"/>
@@ -18936,8 +18936,13 @@
           <a:p>
             <a:r>
               <a:rPr lang="en-US" sz="2800" dirty="0"/>
-              <a:t>https://github.com/jlalbers/neu5001/move_helpr</a:t>
-            </a:r>
+              <a:t>https://github.com/jlalbers</a:t>
+            </a:r>
+            <a:r>
+              <a:rPr lang="en-US" sz="2800"/>
+              <a:t>/neu5001</a:t>
+            </a:r>
+            <a:endParaRPr lang="en-US" sz="2800" dirty="0"/>
           </a:p>
         </p:txBody>
       </p:sp>
@@ -21882,15 +21887,6 @@
 </file>
 
 <file path=customXml/item2.xml><?xml version="1.0" encoding="utf-8"?>
-<?mso-contentType ?>
-<FormTemplates xmlns="http://schemas.microsoft.com/sharepoint/v3/contenttype/forms">
-  <Display>DocumentLibraryForm</Display>
-  <Edit>DocumentLibraryForm</Edit>
-  <New>DocumentLibraryForm</New>
-</FormTemplates>
-</file>
-
-<file path=customXml/item3.xml><?xml version="1.0" encoding="utf-8"?>
 <ct:contentTypeSchema xmlns:ct="http://schemas.microsoft.com/office/2006/metadata/contentType" xmlns:ma="http://schemas.microsoft.com/office/2006/metadata/properties/metaAttributes" ct:_="" ma:_="" ma:contentTypeName="Document" ma:contentTypeID="0x010100336E18A58C469A4FA251DC62535A30A0" ma:contentTypeVersion="4" ma:contentTypeDescription="Create a new document." ma:contentTypeScope="" ma:versionID="dba41efbf77cd8e45f0e4f481e5f72f9">
   <xsd:schema xmlns:xsd="http://www.w3.org/2001/XMLSchema" xmlns:xs="http://www.w3.org/2001/XMLSchema" xmlns:p="http://schemas.microsoft.com/office/2006/metadata/properties" xmlns:ns2="220310cd-6774-4929-94b5-39a853033f5b" xmlns:ns3="80c958f4-bd55-422e-a6ef-b1a2d8b5228e" targetNamespace="http://schemas.microsoft.com/office/2006/metadata/properties" ma:root="true" ma:fieldsID="481eaa35bb53b1d56e6d97917eaf463b" ns2:_="" ns3:_="">
     <xsd:import namespace="220310cd-6774-4929-94b5-39a853033f5b"/>
@@ -22055,6 +22051,15 @@
 </ct:contentTypeSchema>
 </file>
 
+<file path=customXml/item3.xml><?xml version="1.0" encoding="utf-8"?>
+<?mso-contentType ?>
+<FormTemplates xmlns="http://schemas.microsoft.com/sharepoint/v3/contenttype/forms">
+  <Display>DocumentLibraryForm</Display>
+  <Edit>DocumentLibraryForm</Edit>
+  <New>DocumentLibraryForm</New>
+</FormTemplates>
+</file>
+
 <file path=customXml/itemProps1.xml><?xml version="1.0" encoding="utf-8"?>
 <ds:datastoreItem xmlns:ds="http://schemas.openxmlformats.org/officeDocument/2006/customXml" ds:itemID="{EC020689-940A-47BD-BC86-59B2DF5524C0}">
   <ds:schemaRefs>
@@ -22065,14 +22070,6 @@
 </file>
 
 <file path=customXml/itemProps2.xml><?xml version="1.0" encoding="utf-8"?>
-<ds:datastoreItem xmlns:ds="http://schemas.openxmlformats.org/officeDocument/2006/customXml" ds:itemID="{9BD32DB1-B4BE-4FAF-A8E4-5FAD445087B5}">
-  <ds:schemaRefs>
-    <ds:schemaRef ds:uri="http://schemas.microsoft.com/sharepoint/v3/contenttype/forms"/>
-  </ds:schemaRefs>
-</ds:datastoreItem>
-</file>
-
-<file path=customXml/itemProps3.xml><?xml version="1.0" encoding="utf-8"?>
 <ds:datastoreItem xmlns:ds="http://schemas.openxmlformats.org/officeDocument/2006/customXml" ds:itemID="{2E2357E8-BD2C-4872-8D66-14D6C6CE1727}">
   <ds:schemaRefs>
     <ds:schemaRef ds:uri="http://schemas.microsoft.com/office/2006/metadata/contentType"/>
@@ -22089,4 +22086,12 @@
     <ds:schemaRef ds:uri="http://schemas.microsoft.com/internal/obd"/>
   </ds:schemaRefs>
 </ds:datastoreItem>
+</file>
+
+<file path=customXml/itemProps3.xml><?xml version="1.0" encoding="utf-8"?>
+<ds:datastoreItem xmlns:ds="http://schemas.openxmlformats.org/officeDocument/2006/customXml" ds:itemID="{9BD32DB1-B4BE-4FAF-A8E4-5FAD445087B5}">
+  <ds:schemaRefs>
+    <ds:schemaRef ds:uri="http://schemas.microsoft.com/sharepoint/v3/contenttype/forms"/>
+  </ds:schemaRefs>
+</ds:datastoreItem>
 </file>